--- a/ppt/99_補充：資料結構與演算法.pptx
+++ b/ppt/99_補充：資料結構與演算法.pptx
@@ -6385,8 +6385,8 @@
         </p:nvSpPr>
         <p:spPr>
           <a:xfrm>
-            <a:off x="8674603" y="1397170"/>
-            <a:ext cx="2031325" cy="646331"/>
+            <a:off x="9261969" y="1164249"/>
+            <a:ext cx="2076209" cy="1200329"/>
           </a:xfrm>
           <a:prstGeom prst="rect">
             <a:avLst/>
@@ -6408,6 +6408,43 @@
               </a:rPr>
               <a:t>特殊情形</a:t>
             </a:r>
+            <a:endParaRPr lang="en-US" altLang="zh-TW" sz="3600">
+              <a:solidFill>
+                <a:srgbClr val="FFFF00"/>
+              </a:solidFill>
+            </a:endParaRPr>
+          </a:p>
+          <a:p>
+            <a:pPr algn="ctr"/>
+            <a:r>
+              <a:rPr lang="en-US" altLang="zh-TW" sz="3600">
+                <a:solidFill>
+                  <a:srgbClr val="FFFF00"/>
+                </a:solidFill>
+              </a:rPr>
+              <a:t>(</a:t>
+            </a:r>
+            <a:r>
+              <a:rPr lang="zh-TW" altLang="en-US" sz="3600">
+                <a:solidFill>
+                  <a:srgbClr val="FFFF00"/>
+                </a:solidFill>
+              </a:rPr>
+              <a:t>歪斜樹</a:t>
+            </a:r>
+            <a:r>
+              <a:rPr lang="en-US" altLang="zh-TW" sz="3600">
+                <a:solidFill>
+                  <a:srgbClr val="FFFF00"/>
+                </a:solidFill>
+              </a:rPr>
+              <a:t>)</a:t>
+            </a:r>
+            <a:endParaRPr lang="zh-TW" altLang="en-US" sz="3600">
+              <a:solidFill>
+                <a:srgbClr val="FFFF00"/>
+              </a:solidFill>
+            </a:endParaRPr>
           </a:p>
         </p:txBody>
       </p:sp>

--- a/ppt/99_補充：資料結構與演算法.pptx
+++ b/ppt/99_補充：資料結構與演算法.pptx
@@ -5773,7 +5773,7 @@
                   <a:srgbClr val="00B0F0"/>
                 </a:solidFill>
               </a:rPr>
-              <a:t>樹</a:t>
+              <a:t>二元樹</a:t>
             </a:r>
             <a:r>
               <a:rPr lang="en-US" altLang="zh-TW">
